--- a/docs/diagrams/SDforRemoveGroup.pptx
+++ b/docs/diagrams/SDforRemoveGroup.pptx
@@ -104,6 +104,11 @@
       </a:defRPr>
     </a:lvl9pPr>
   </p:defaultTextStyle>
+  <p:extLst>
+    <p:ext uri="{EFAFB233-063F-42B5-8137-9DF3F51BA10A}">
+      <p15:sldGuideLst xmlns:p15="http://schemas.microsoft.com/office/powerpoint/2012/main"/>
+    </p:ext>
+  </p:extLst>
 </p:presentation>
 </file>
 
@@ -4156,7 +4161,7 @@
           <a:p>
             <a:r>
               <a:rPr lang="en-US" sz="1100" dirty="0" err="1"/>
-              <a:t>removegroup</a:t>
+              <a:t>deletegroup</a:t>
             </a:r>
             <a:r>
               <a:rPr lang="en-US" sz="1100" dirty="0"/>
@@ -4329,7 +4334,7 @@
                   <a:srgbClr val="7030A0"/>
                 </a:solidFill>
               </a:rPr>
-              <a:t>removeGroup</a:t>
+              <a:t>deleteGroup</a:t>
             </a:r>
             <a:r>
               <a:rPr lang="en-US" sz="1400" dirty="0">

--- a/docs/diagrams/SDforRemoveGroup.pptx
+++ b/docs/diagrams/SDforRemoveGroup.pptx
@@ -261,7 +261,7 @@
           <a:p>
             <a:fld id="{AD2A7D5D-D40F-4546-BCD4-150D600F414A}" type="datetimeFigureOut">
               <a:rPr lang="en-IN" smtClean="0"/>
-              <a:t>11-04-2018</a:t>
+              <a:t>15-04-2018</a:t>
             </a:fld>
             <a:endParaRPr lang="en-IN"/>
           </a:p>
@@ -461,7 +461,7 @@
           <a:p>
             <a:fld id="{AD2A7D5D-D40F-4546-BCD4-150D600F414A}" type="datetimeFigureOut">
               <a:rPr lang="en-IN" smtClean="0"/>
-              <a:t>11-04-2018</a:t>
+              <a:t>15-04-2018</a:t>
             </a:fld>
             <a:endParaRPr lang="en-IN"/>
           </a:p>
@@ -671,7 +671,7 @@
           <a:p>
             <a:fld id="{AD2A7D5D-D40F-4546-BCD4-150D600F414A}" type="datetimeFigureOut">
               <a:rPr lang="en-IN" smtClean="0"/>
-              <a:t>11-04-2018</a:t>
+              <a:t>15-04-2018</a:t>
             </a:fld>
             <a:endParaRPr lang="en-IN"/>
           </a:p>
@@ -871,7 +871,7 @@
           <a:p>
             <a:fld id="{AD2A7D5D-D40F-4546-BCD4-150D600F414A}" type="datetimeFigureOut">
               <a:rPr lang="en-IN" smtClean="0"/>
-              <a:t>11-04-2018</a:t>
+              <a:t>15-04-2018</a:t>
             </a:fld>
             <a:endParaRPr lang="en-IN"/>
           </a:p>
@@ -1147,7 +1147,7 @@
           <a:p>
             <a:fld id="{AD2A7D5D-D40F-4546-BCD4-150D600F414A}" type="datetimeFigureOut">
               <a:rPr lang="en-IN" smtClean="0"/>
-              <a:t>11-04-2018</a:t>
+              <a:t>15-04-2018</a:t>
             </a:fld>
             <a:endParaRPr lang="en-IN"/>
           </a:p>
@@ -1415,7 +1415,7 @@
           <a:p>
             <a:fld id="{AD2A7D5D-D40F-4546-BCD4-150D600F414A}" type="datetimeFigureOut">
               <a:rPr lang="en-IN" smtClean="0"/>
-              <a:t>11-04-2018</a:t>
+              <a:t>15-04-2018</a:t>
             </a:fld>
             <a:endParaRPr lang="en-IN"/>
           </a:p>
@@ -1830,7 +1830,7 @@
           <a:p>
             <a:fld id="{AD2A7D5D-D40F-4546-BCD4-150D600F414A}" type="datetimeFigureOut">
               <a:rPr lang="en-IN" smtClean="0"/>
-              <a:t>11-04-2018</a:t>
+              <a:t>15-04-2018</a:t>
             </a:fld>
             <a:endParaRPr lang="en-IN"/>
           </a:p>
@@ -1972,7 +1972,7 @@
           <a:p>
             <a:fld id="{AD2A7D5D-D40F-4546-BCD4-150D600F414A}" type="datetimeFigureOut">
               <a:rPr lang="en-IN" smtClean="0"/>
-              <a:t>11-04-2018</a:t>
+              <a:t>15-04-2018</a:t>
             </a:fld>
             <a:endParaRPr lang="en-IN"/>
           </a:p>
@@ -2085,7 +2085,7 @@
           <a:p>
             <a:fld id="{AD2A7D5D-D40F-4546-BCD4-150D600F414A}" type="datetimeFigureOut">
               <a:rPr lang="en-IN" smtClean="0"/>
-              <a:t>11-04-2018</a:t>
+              <a:t>15-04-2018</a:t>
             </a:fld>
             <a:endParaRPr lang="en-IN"/>
           </a:p>
@@ -2398,7 +2398,7 @@
           <a:p>
             <a:fld id="{AD2A7D5D-D40F-4546-BCD4-150D600F414A}" type="datetimeFigureOut">
               <a:rPr lang="en-IN" smtClean="0"/>
-              <a:t>11-04-2018</a:t>
+              <a:t>15-04-2018</a:t>
             </a:fld>
             <a:endParaRPr lang="en-IN"/>
           </a:p>
@@ -2687,7 +2687,7 @@
           <a:p>
             <a:fld id="{AD2A7D5D-D40F-4546-BCD4-150D600F414A}" type="datetimeFigureOut">
               <a:rPr lang="en-IN" smtClean="0"/>
-              <a:t>11-04-2018</a:t>
+              <a:t>15-04-2018</a:t>
             </a:fld>
             <a:endParaRPr lang="en-IN"/>
           </a:p>
@@ -2930,7 +2930,7 @@
           <a:p>
             <a:fld id="{AD2A7D5D-D40F-4546-BCD4-150D600F414A}" type="datetimeFigureOut">
               <a:rPr lang="en-IN" smtClean="0"/>
-              <a:t>11-04-2018</a:t>
+              <a:t>15-04-2018</a:t>
             </a:fld>
             <a:endParaRPr lang="en-IN"/>
           </a:p>
@@ -4347,53 +4347,6 @@
           </a:p>
         </p:txBody>
       </p:sp>
-      <p:sp>
-        <p:nvSpPr>
-          <p:cNvPr id="24" name="TextBox 23">
-            <a:extLst>
-              <a:ext uri="{FF2B5EF4-FFF2-40B4-BE49-F238E27FC236}">
-                <a16:creationId xmlns:a16="http://schemas.microsoft.com/office/drawing/2014/main" id="{D1AAD1E7-329C-4447-813D-152850727596}"/>
-              </a:ext>
-            </a:extLst>
-          </p:cNvPr>
-          <p:cNvSpPr txBox="1"/>
-          <p:nvPr/>
-        </p:nvSpPr>
-        <p:spPr>
-          <a:xfrm>
-            <a:off x="6372969" y="1687656"/>
-            <a:ext cx="2438400" cy="215444"/>
-          </a:xfrm>
-          <a:prstGeom prst="rect">
-            <a:avLst/>
-          </a:prstGeom>
-          <a:noFill/>
-        </p:spPr>
-        <p:txBody>
-          <a:bodyPr wrap="square" lIns="0" tIns="0" rIns="0" bIns="0" rtlCol="0">
-            <a:spAutoFit/>
-          </a:bodyPr>
-          <a:lstStyle/>
-          <a:p>
-            <a:r>
-              <a:rPr lang="en-US" sz="1400" dirty="0" err="1">
-                <a:solidFill>
-                  <a:srgbClr val="DA7B1C"/>
-                </a:solidFill>
-              </a:rPr>
-              <a:t>indicateClubBookChanged</a:t>
-            </a:r>
-            <a:r>
-              <a:rPr lang="en-US" sz="1400" dirty="0">
-                <a:solidFill>
-                  <a:srgbClr val="DA7B1C"/>
-                </a:solidFill>
-              </a:rPr>
-              <a:t>()</a:t>
-            </a:r>
-          </a:p>
-        </p:txBody>
-      </p:sp>
       <p:cxnSp>
         <p:nvCxnSpPr>
           <p:cNvPr id="25" name="Straight Arrow Connector 24">
@@ -4526,12 +4479,102 @@
           </a:fontRef>
         </p:style>
       </p:cxnSp>
-      <p:sp>
-        <p:nvSpPr>
-          <p:cNvPr id="28" name="Rectangle 62">
-            <a:extLst>
-              <a:ext uri="{FF2B5EF4-FFF2-40B4-BE49-F238E27FC236}">
-                <a16:creationId xmlns:a16="http://schemas.microsoft.com/office/drawing/2014/main" id="{5E027AC9-23F1-47DB-B87E-8917EA984139}"/>
+      <p:cxnSp>
+        <p:nvCxnSpPr>
+          <p:cNvPr id="33" name="Straight Connector 32">
+            <a:extLst>
+              <a:ext uri="{FF2B5EF4-FFF2-40B4-BE49-F238E27FC236}">
+                <a16:creationId xmlns:a16="http://schemas.microsoft.com/office/drawing/2014/main" id="{BEAED155-47D2-4E3E-B581-BBFAFF9267A1}"/>
+              </a:ext>
+            </a:extLst>
+          </p:cNvPr>
+          <p:cNvCxnSpPr/>
+          <p:nvPr/>
+        </p:nvCxnSpPr>
+        <p:spPr>
+          <a:xfrm flipH="1">
+            <a:off x="314394" y="1099672"/>
+            <a:ext cx="24" cy="1598671"/>
+          </a:xfrm>
+          <a:prstGeom prst="line">
+            <a:avLst/>
+          </a:prstGeom>
+          <a:ln w="19050">
+            <a:solidFill>
+              <a:schemeClr val="tx1"/>
+            </a:solidFill>
+            <a:prstDash val="sysDash"/>
+          </a:ln>
+          <a:effectLst/>
+        </p:spPr>
+        <p:style>
+          <a:lnRef idx="1">
+            <a:schemeClr val="accent1"/>
+          </a:lnRef>
+          <a:fillRef idx="2">
+            <a:schemeClr val="accent1"/>
+          </a:fillRef>
+          <a:effectRef idx="1">
+            <a:schemeClr val="accent1"/>
+          </a:effectRef>
+          <a:fontRef idx="minor">
+            <a:schemeClr val="dk1"/>
+          </a:fontRef>
+        </p:style>
+      </p:cxnSp>
+      <p:sp>
+        <p:nvSpPr>
+          <p:cNvPr id="34" name="TextBox 33">
+            <a:extLst>
+              <a:ext uri="{FF2B5EF4-FFF2-40B4-BE49-F238E27FC236}">
+                <a16:creationId xmlns:a16="http://schemas.microsoft.com/office/drawing/2014/main" id="{760774FE-6946-46F3-B218-7894E888D172}"/>
+              </a:ext>
+            </a:extLst>
+          </p:cNvPr>
+          <p:cNvSpPr txBox="1"/>
+          <p:nvPr/>
+        </p:nvSpPr>
+        <p:spPr>
+          <a:xfrm>
+            <a:off x="8286949" y="1345880"/>
+            <a:ext cx="1899342" cy="430887"/>
+          </a:xfrm>
+          <a:prstGeom prst="rect">
+            <a:avLst/>
+          </a:prstGeom>
+          <a:noFill/>
+        </p:spPr>
+        <p:txBody>
+          <a:bodyPr wrap="square" lIns="0" tIns="0" rIns="0" bIns="0" rtlCol="0">
+            <a:spAutoFit/>
+          </a:bodyPr>
+          <a:lstStyle/>
+          <a:p>
+            <a:r>
+              <a:rPr lang="en-US" sz="1400" dirty="0" err="1">
+                <a:solidFill>
+                  <a:srgbClr val="DA7B1C"/>
+                </a:solidFill>
+              </a:rPr>
+              <a:t>handleClubBookChangedEvent</a:t>
+            </a:r>
+            <a:r>
+              <a:rPr lang="en-US" sz="1400" dirty="0">
+                <a:solidFill>
+                  <a:srgbClr val="DA7B1C"/>
+                </a:solidFill>
+              </a:rPr>
+              <a:t>()</a:t>
+            </a:r>
+          </a:p>
+        </p:txBody>
+      </p:sp>
+      <p:sp>
+        <p:nvSpPr>
+          <p:cNvPr id="35" name="Rectangle 62">
+            <a:extLst>
+              <a:ext uri="{FF2B5EF4-FFF2-40B4-BE49-F238E27FC236}">
+                <a16:creationId xmlns:a16="http://schemas.microsoft.com/office/drawing/2014/main" id="{6492D4AF-68BE-40C1-A4C7-CAA3E8E17DE0}"/>
               </a:ext>
             </a:extLst>
           </p:cNvPr>
@@ -4540,7 +4583,7 @@
         </p:nvSpPr>
         <p:spPr>
           <a:xfrm>
-            <a:off x="7696200" y="591251"/>
+            <a:off x="9521706" y="605408"/>
             <a:ext cx="1371600" cy="346760"/>
           </a:xfrm>
           <a:prstGeom prst="rect">
@@ -4591,10 +4634,10 @@
       </p:sp>
       <p:cxnSp>
         <p:nvCxnSpPr>
-          <p:cNvPr id="29" name="Straight Connector 28">
-            <a:extLst>
-              <a:ext uri="{FF2B5EF4-FFF2-40B4-BE49-F238E27FC236}">
-                <a16:creationId xmlns:a16="http://schemas.microsoft.com/office/drawing/2014/main" id="{1BE684E6-02A3-46D6-8BBF-759D05548081}"/>
+          <p:cNvPr id="36" name="Straight Connector 35">
+            <a:extLst>
+              <a:ext uri="{FF2B5EF4-FFF2-40B4-BE49-F238E27FC236}">
+                <a16:creationId xmlns:a16="http://schemas.microsoft.com/office/drawing/2014/main" id="{4FA16C8F-A916-4B89-8350-E5657E0F46F4}"/>
               </a:ext>
             </a:extLst>
           </p:cNvPr>
@@ -4603,7 +4646,7 @@
         </p:nvCxnSpPr>
         <p:spPr>
           <a:xfrm>
-            <a:off x="8616802" y="944305"/>
+            <a:off x="10207506" y="968468"/>
             <a:ext cx="0" cy="1723059"/>
           </a:xfrm>
           <a:prstGeom prst="line">
@@ -4634,10 +4677,10 @@
       </p:cxnSp>
       <p:sp>
         <p:nvSpPr>
-          <p:cNvPr id="30" name="Rectangle 29">
-            <a:extLst>
-              <a:ext uri="{FF2B5EF4-FFF2-40B4-BE49-F238E27FC236}">
-                <a16:creationId xmlns:a16="http://schemas.microsoft.com/office/drawing/2014/main" id="{3D3E7175-3BF0-4A5F-8C73-1DCE5821CBA0}"/>
+          <p:cNvPr id="37" name="Rectangle 36">
+            <a:extLst>
+              <a:ext uri="{FF2B5EF4-FFF2-40B4-BE49-F238E27FC236}">
+                <a16:creationId xmlns:a16="http://schemas.microsoft.com/office/drawing/2014/main" id="{D3A55D88-A79D-43FC-B507-A4A7DA637D00}"/>
               </a:ext>
             </a:extLst>
           </p:cNvPr>
@@ -4646,8 +4689,8 @@
         </p:nvSpPr>
         <p:spPr>
           <a:xfrm>
-            <a:off x="8544794" y="1903100"/>
-            <a:ext cx="142006" cy="234889"/>
+            <a:off x="10134493" y="1694968"/>
+            <a:ext cx="144016" cy="310422"/>
           </a:xfrm>
           <a:prstGeom prst="rect">
             <a:avLst/>
@@ -4689,20 +4732,22 @@
       </p:sp>
       <p:cxnSp>
         <p:nvCxnSpPr>
-          <p:cNvPr id="31" name="Straight Arrow Connector 30">
-            <a:extLst>
-              <a:ext uri="{FF2B5EF4-FFF2-40B4-BE49-F238E27FC236}">
-                <a16:creationId xmlns:a16="http://schemas.microsoft.com/office/drawing/2014/main" id="{D95B577C-DDBD-4F4D-B38F-179CE10ADCFB}"/>
-              </a:ext>
-            </a:extLst>
-          </p:cNvPr>
-          <p:cNvCxnSpPr/>
+          <p:cNvPr id="38" name="Straight Arrow Connector 37">
+            <a:extLst>
+              <a:ext uri="{FF2B5EF4-FFF2-40B4-BE49-F238E27FC236}">
+                <a16:creationId xmlns:a16="http://schemas.microsoft.com/office/drawing/2014/main" id="{4EE83E7E-41E8-4E76-BD9A-A97E3AE656B9}"/>
+              </a:ext>
+            </a:extLst>
+          </p:cNvPr>
+          <p:cNvCxnSpPr>
+            <a:cxnSpLocks/>
+          </p:cNvCxnSpPr>
           <p:nvPr/>
         </p:nvCxnSpPr>
         <p:spPr>
           <a:xfrm>
-            <a:off x="5943992" y="1961202"/>
-            <a:ext cx="2568438" cy="0"/>
+            <a:off x="7721798" y="1783292"/>
+            <a:ext cx="2412695" cy="0"/>
           </a:xfrm>
           <a:prstGeom prst="straightConnector1">
             <a:avLst/>
@@ -4731,20 +4776,22 @@
       </p:cxnSp>
       <p:cxnSp>
         <p:nvCxnSpPr>
-          <p:cNvPr id="32" name="Straight Arrow Connector 31">
-            <a:extLst>
-              <a:ext uri="{FF2B5EF4-FFF2-40B4-BE49-F238E27FC236}">
-                <a16:creationId xmlns:a16="http://schemas.microsoft.com/office/drawing/2014/main" id="{00E482E4-B6CC-4438-8433-CB4017FD455E}"/>
-              </a:ext>
-            </a:extLst>
-          </p:cNvPr>
-          <p:cNvCxnSpPr/>
+          <p:cNvPr id="39" name="Straight Arrow Connector 38">
+            <a:extLst>
+              <a:ext uri="{FF2B5EF4-FFF2-40B4-BE49-F238E27FC236}">
+                <a16:creationId xmlns:a16="http://schemas.microsoft.com/office/drawing/2014/main" id="{AE48C9CE-7413-4255-BBBB-F55C95D6331C}"/>
+              </a:ext>
+            </a:extLst>
+          </p:cNvPr>
+          <p:cNvCxnSpPr>
+            <a:cxnSpLocks/>
+          </p:cNvCxnSpPr>
           <p:nvPr/>
         </p:nvCxnSpPr>
         <p:spPr>
           <a:xfrm>
-            <a:off x="5943992" y="2094029"/>
-            <a:ext cx="2549946" cy="0"/>
+            <a:off x="7721798" y="1966484"/>
+            <a:ext cx="2362977" cy="0"/>
           </a:xfrm>
           <a:prstGeom prst="straightConnector1">
             <a:avLst/>
@@ -4773,12 +4820,85 @@
           </a:fontRef>
         </p:style>
       </p:cxnSp>
+      <p:sp>
+        <p:nvSpPr>
+          <p:cNvPr id="40" name="Rectangle 62">
+            <a:extLst>
+              <a:ext uri="{FF2B5EF4-FFF2-40B4-BE49-F238E27FC236}">
+                <a16:creationId xmlns:a16="http://schemas.microsoft.com/office/drawing/2014/main" id="{E5929D98-EC3B-4AD0-81CB-F923E632FA85}"/>
+              </a:ext>
+            </a:extLst>
+          </p:cNvPr>
+          <p:cNvSpPr/>
+          <p:nvPr/>
+        </p:nvSpPr>
+        <p:spPr>
+          <a:xfrm>
+            <a:off x="7092802" y="607284"/>
+            <a:ext cx="1093635" cy="346760"/>
+          </a:xfrm>
+          <a:prstGeom prst="rect">
+            <a:avLst/>
+          </a:prstGeom>
+          <a:solidFill>
+            <a:srgbClr val="298D97"/>
+          </a:solidFill>
+          <a:ln w="19050">
+            <a:solidFill>
+              <a:srgbClr val="298D97"/>
+            </a:solidFill>
+          </a:ln>
+          <a:effectLst/>
+        </p:spPr>
+        <p:style>
+          <a:lnRef idx="1">
+            <a:schemeClr val="accent2"/>
+          </a:lnRef>
+          <a:fillRef idx="2">
+            <a:schemeClr val="accent2"/>
+          </a:fillRef>
+          <a:effectRef idx="1">
+            <a:schemeClr val="accent2"/>
+          </a:effectRef>
+          <a:fontRef idx="minor">
+            <a:schemeClr val="dk1"/>
+          </a:fontRef>
+        </p:style>
+        <p:txBody>
+          <a:bodyPr rtlCol="0" anchor="ctr"/>
+          <a:lstStyle/>
+          <a:p>
+            <a:pPr algn="ctr"/>
+            <a:r>
+              <a:rPr lang="en-US" sz="1200" dirty="0">
+                <a:solidFill>
+                  <a:schemeClr val="bg1"/>
+                </a:solidFill>
+              </a:rPr>
+              <a:t>:</a:t>
+            </a:r>
+            <a:r>
+              <a:rPr lang="en-US" sz="1200" dirty="0" err="1">
+                <a:solidFill>
+                  <a:schemeClr val="bg1"/>
+                </a:solidFill>
+              </a:rPr>
+              <a:t>EventsCenter</a:t>
+            </a:r>
+            <a:endParaRPr lang="en-SG" sz="1200" dirty="0">
+              <a:solidFill>
+                <a:schemeClr val="bg1"/>
+              </a:solidFill>
+            </a:endParaRPr>
+          </a:p>
+        </p:txBody>
+      </p:sp>
       <p:cxnSp>
         <p:nvCxnSpPr>
-          <p:cNvPr id="33" name="Straight Connector 32">
-            <a:extLst>
-              <a:ext uri="{FF2B5EF4-FFF2-40B4-BE49-F238E27FC236}">
-                <a16:creationId xmlns:a16="http://schemas.microsoft.com/office/drawing/2014/main" id="{BEAED155-47D2-4E3E-B581-BBFAFF9267A1}"/>
+          <p:cNvPr id="41" name="Straight Connector 40">
+            <a:extLst>
+              <a:ext uri="{FF2B5EF4-FFF2-40B4-BE49-F238E27FC236}">
+                <a16:creationId xmlns:a16="http://schemas.microsoft.com/office/drawing/2014/main" id="{D76D44D9-3A64-400B-94E4-D40B6C63F4DB}"/>
               </a:ext>
             </a:extLst>
           </p:cNvPr>
@@ -4786,16 +4906,16 @@
           <p:nvPr/>
         </p:nvCxnSpPr>
         <p:spPr>
-          <a:xfrm flipH="1">
-            <a:off x="314394" y="1099672"/>
-            <a:ext cx="24" cy="1598671"/>
+          <a:xfrm>
+            <a:off x="7639137" y="980093"/>
+            <a:ext cx="0" cy="1723059"/>
           </a:xfrm>
           <a:prstGeom prst="line">
             <a:avLst/>
           </a:prstGeom>
           <a:ln w="19050">
             <a:solidFill>
-              <a:schemeClr val="tx1"/>
+              <a:srgbClr val="0070C0"/>
             </a:solidFill>
             <a:prstDash val="sysDash"/>
           </a:ln>
@@ -4816,6 +4936,464 @@
           </a:fontRef>
         </p:style>
       </p:cxnSp>
+      <p:sp>
+        <p:nvSpPr>
+          <p:cNvPr id="42" name="Rectangle 41">
+            <a:extLst>
+              <a:ext uri="{FF2B5EF4-FFF2-40B4-BE49-F238E27FC236}">
+                <a16:creationId xmlns:a16="http://schemas.microsoft.com/office/drawing/2014/main" id="{4B35A85D-AB33-4DFC-AACF-D02885FC797C}"/>
+              </a:ext>
+            </a:extLst>
+          </p:cNvPr>
+          <p:cNvSpPr/>
+          <p:nvPr/>
+        </p:nvSpPr>
+        <p:spPr>
+          <a:xfrm>
+            <a:off x="7567129" y="1619417"/>
+            <a:ext cx="144016" cy="403557"/>
+          </a:xfrm>
+          <a:prstGeom prst="rect">
+            <a:avLst/>
+          </a:prstGeom>
+          <a:solidFill>
+            <a:srgbClr val="298D97"/>
+          </a:solidFill>
+          <a:ln>
+            <a:solidFill>
+              <a:srgbClr val="0070C0"/>
+            </a:solidFill>
+          </a:ln>
+          <a:effectLst/>
+        </p:spPr>
+        <p:style>
+          <a:lnRef idx="1">
+            <a:schemeClr val="accent3"/>
+          </a:lnRef>
+          <a:fillRef idx="2">
+            <a:schemeClr val="accent3"/>
+          </a:fillRef>
+          <a:effectRef idx="1">
+            <a:schemeClr val="accent3"/>
+          </a:effectRef>
+          <a:fontRef idx="minor">
+            <a:schemeClr val="dk1"/>
+          </a:fontRef>
+        </p:style>
+        <p:txBody>
+          <a:bodyPr rtlCol="0" anchor="ctr"/>
+          <a:lstStyle/>
+          <a:p>
+            <a:pPr algn="ctr"/>
+            <a:endParaRPr lang="en-SG" sz="1400">
+              <a:solidFill>
+                <a:schemeClr val="dk1"/>
+              </a:solidFill>
+            </a:endParaRPr>
+          </a:p>
+        </p:txBody>
+      </p:sp>
+      <p:cxnSp>
+        <p:nvCxnSpPr>
+          <p:cNvPr id="43" name="Straight Arrow Connector 42">
+            <a:extLst>
+              <a:ext uri="{FF2B5EF4-FFF2-40B4-BE49-F238E27FC236}">
+                <a16:creationId xmlns:a16="http://schemas.microsoft.com/office/drawing/2014/main" id="{A411928D-42E5-48D1-AD0F-ACAD01A76652}"/>
+              </a:ext>
+            </a:extLst>
+          </p:cNvPr>
+          <p:cNvCxnSpPr>
+            <a:cxnSpLocks/>
+          </p:cNvCxnSpPr>
+          <p:nvPr/>
+        </p:nvCxnSpPr>
+        <p:spPr>
+          <a:xfrm>
+            <a:off x="5933598" y="1645745"/>
+            <a:ext cx="1633531" cy="0"/>
+          </a:xfrm>
+          <a:prstGeom prst="straightConnector1">
+            <a:avLst/>
+          </a:prstGeom>
+          <a:ln w="19050">
+            <a:solidFill>
+              <a:srgbClr val="298D97"/>
+            </a:solidFill>
+            <a:tailEnd type="arrow"/>
+          </a:ln>
+        </p:spPr>
+        <p:style>
+          <a:lnRef idx="1">
+            <a:schemeClr val="accent1"/>
+          </a:lnRef>
+          <a:fillRef idx="0">
+            <a:schemeClr val="accent1"/>
+          </a:fillRef>
+          <a:effectRef idx="0">
+            <a:schemeClr val="accent1"/>
+          </a:effectRef>
+          <a:fontRef idx="minor">
+            <a:schemeClr val="tx1"/>
+          </a:fontRef>
+        </p:style>
+      </p:cxnSp>
+      <p:cxnSp>
+        <p:nvCxnSpPr>
+          <p:cNvPr id="44" name="Straight Arrow Connector 43">
+            <a:extLst>
+              <a:ext uri="{FF2B5EF4-FFF2-40B4-BE49-F238E27FC236}">
+                <a16:creationId xmlns:a16="http://schemas.microsoft.com/office/drawing/2014/main" id="{D5C24686-8386-44D3-95DF-CB6021BDA2FC}"/>
+              </a:ext>
+            </a:extLst>
+          </p:cNvPr>
+          <p:cNvCxnSpPr>
+            <a:cxnSpLocks/>
+          </p:cNvCxnSpPr>
+          <p:nvPr/>
+        </p:nvCxnSpPr>
+        <p:spPr>
+          <a:xfrm>
+            <a:off x="5933598" y="2022974"/>
+            <a:ext cx="1596785" cy="0"/>
+          </a:xfrm>
+          <a:prstGeom prst="straightConnector1">
+            <a:avLst/>
+          </a:prstGeom>
+          <a:ln w="19050">
+            <a:solidFill>
+              <a:srgbClr val="298D97"/>
+            </a:solidFill>
+            <a:prstDash val="sysDash"/>
+            <a:headEnd type="arrow" w="med" len="med"/>
+            <a:tailEnd type="none" w="med" len="med"/>
+          </a:ln>
+        </p:spPr>
+        <p:style>
+          <a:lnRef idx="1">
+            <a:schemeClr val="accent1"/>
+          </a:lnRef>
+          <a:fillRef idx="0">
+            <a:schemeClr val="accent1"/>
+          </a:fillRef>
+          <a:effectRef idx="0">
+            <a:schemeClr val="accent1"/>
+          </a:effectRef>
+          <a:fontRef idx="minor">
+            <a:schemeClr val="tx1"/>
+          </a:fontRef>
+        </p:style>
+      </p:cxnSp>
+      <p:sp>
+        <p:nvSpPr>
+          <p:cNvPr id="45" name="TextBox 44">
+            <a:extLst>
+              <a:ext uri="{FF2B5EF4-FFF2-40B4-BE49-F238E27FC236}">
+                <a16:creationId xmlns:a16="http://schemas.microsoft.com/office/drawing/2014/main" id="{258AB158-C069-48E1-96F3-D9DA8BD92F63}"/>
+              </a:ext>
+            </a:extLst>
+          </p:cNvPr>
+          <p:cNvSpPr txBox="1"/>
+          <p:nvPr/>
+        </p:nvSpPr>
+        <p:spPr>
+          <a:xfrm>
+            <a:off x="6329933" y="1205614"/>
+            <a:ext cx="1219200" cy="430887"/>
+          </a:xfrm>
+          <a:prstGeom prst="rect">
+            <a:avLst/>
+          </a:prstGeom>
+          <a:noFill/>
+        </p:spPr>
+        <p:txBody>
+          <a:bodyPr wrap="square" lIns="0" tIns="0" rIns="0" bIns="0" rtlCol="0">
+            <a:spAutoFit/>
+          </a:bodyPr>
+          <a:lstStyle/>
+          <a:p>
+            <a:r>
+              <a:rPr lang="en-US" sz="1400" dirty="0">
+                <a:solidFill>
+                  <a:srgbClr val="298D97"/>
+                </a:solidFill>
+              </a:rPr>
+              <a:t>post(</a:t>
+            </a:r>
+            <a:r>
+              <a:rPr lang="en-US" sz="1400" dirty="0" err="1">
+                <a:solidFill>
+                  <a:srgbClr val="298D97"/>
+                </a:solidFill>
+              </a:rPr>
+              <a:t>ClubBook</a:t>
+            </a:r>
+            <a:endParaRPr lang="en-US" sz="1400" dirty="0">
+              <a:solidFill>
+                <a:srgbClr val="298D97"/>
+              </a:solidFill>
+            </a:endParaRPr>
+          </a:p>
+          <a:p>
+            <a:r>
+              <a:rPr lang="en-US" sz="1400" dirty="0" err="1">
+                <a:solidFill>
+                  <a:srgbClr val="298D97"/>
+                </a:solidFill>
+              </a:rPr>
+              <a:t>ChangedEvent</a:t>
+            </a:r>
+            <a:r>
+              <a:rPr lang="en-US" sz="1400" dirty="0">
+                <a:solidFill>
+                  <a:srgbClr val="298D97"/>
+                </a:solidFill>
+              </a:rPr>
+              <a:t>)</a:t>
+            </a:r>
+          </a:p>
+        </p:txBody>
+      </p:sp>
+      <p:sp>
+        <p:nvSpPr>
+          <p:cNvPr id="46" name="Rectangle 45">
+            <a:extLst>
+              <a:ext uri="{FF2B5EF4-FFF2-40B4-BE49-F238E27FC236}">
+                <a16:creationId xmlns:a16="http://schemas.microsoft.com/office/drawing/2014/main" id="{3D12473C-F3BF-40D1-9707-07C53948E75B}"/>
+              </a:ext>
+            </a:extLst>
+          </p:cNvPr>
+          <p:cNvSpPr/>
+          <p:nvPr/>
+        </p:nvSpPr>
+        <p:spPr>
+          <a:xfrm>
+            <a:off x="10269012" y="1757801"/>
+            <a:ext cx="80498" cy="189639"/>
+          </a:xfrm>
+          <a:prstGeom prst="rect">
+            <a:avLst/>
+          </a:prstGeom>
+          <a:solidFill>
+            <a:srgbClr val="DA7B1C"/>
+          </a:solidFill>
+          <a:ln>
+            <a:noFill/>
+          </a:ln>
+          <a:effectLst/>
+        </p:spPr>
+        <p:style>
+          <a:lnRef idx="1">
+            <a:schemeClr val="accent3"/>
+          </a:lnRef>
+          <a:fillRef idx="2">
+            <a:schemeClr val="accent3"/>
+          </a:fillRef>
+          <a:effectRef idx="1">
+            <a:schemeClr val="accent3"/>
+          </a:effectRef>
+          <a:fontRef idx="minor">
+            <a:schemeClr val="dk1"/>
+          </a:fontRef>
+        </p:style>
+        <p:txBody>
+          <a:bodyPr rtlCol="0" anchor="ctr"/>
+          <a:lstStyle/>
+          <a:p>
+            <a:pPr algn="ctr"/>
+            <a:endParaRPr lang="en-SG" sz="1400">
+              <a:solidFill>
+                <a:schemeClr val="dk1"/>
+              </a:solidFill>
+            </a:endParaRPr>
+          </a:p>
+        </p:txBody>
+      </p:sp>
+      <p:grpSp>
+        <p:nvGrpSpPr>
+          <p:cNvPr id="47" name="Group 46">
+            <a:extLst>
+              <a:ext uri="{FF2B5EF4-FFF2-40B4-BE49-F238E27FC236}">
+                <a16:creationId xmlns:a16="http://schemas.microsoft.com/office/drawing/2014/main" id="{55E81268-FD45-4D99-88F4-FB435CF726F3}"/>
+              </a:ext>
+            </a:extLst>
+          </p:cNvPr>
+          <p:cNvGrpSpPr/>
+          <p:nvPr/>
+        </p:nvGrpSpPr>
+        <p:grpSpPr>
+          <a:xfrm>
+            <a:off x="10276735" y="1739672"/>
+            <a:ext cx="239125" cy="139064"/>
+            <a:chOff x="10276735" y="1739672"/>
+            <a:chExt cx="239125" cy="139064"/>
+          </a:xfrm>
+        </p:grpSpPr>
+        <p:cxnSp>
+          <p:nvCxnSpPr>
+            <p:cNvPr id="48" name="Straight Connector 47">
+              <a:extLst>
+                <a:ext uri="{FF2B5EF4-FFF2-40B4-BE49-F238E27FC236}">
+                  <a16:creationId xmlns:a16="http://schemas.microsoft.com/office/drawing/2014/main" id="{F791E1BC-E09A-4544-B410-D3B09623ED15}"/>
+                </a:ext>
+              </a:extLst>
+            </p:cNvPr>
+            <p:cNvCxnSpPr>
+              <a:cxnSpLocks/>
+            </p:cNvCxnSpPr>
+            <p:nvPr/>
+          </p:nvCxnSpPr>
+          <p:spPr>
+            <a:xfrm>
+              <a:off x="10276735" y="1739672"/>
+              <a:ext cx="239125" cy="0"/>
+            </a:xfrm>
+            <a:prstGeom prst="line">
+              <a:avLst/>
+            </a:prstGeom>
+            <a:ln/>
+          </p:spPr>
+          <p:style>
+            <a:lnRef idx="1">
+              <a:schemeClr val="accent2"/>
+            </a:lnRef>
+            <a:fillRef idx="0">
+              <a:schemeClr val="accent2"/>
+            </a:fillRef>
+            <a:effectRef idx="0">
+              <a:schemeClr val="accent2"/>
+            </a:effectRef>
+            <a:fontRef idx="minor">
+              <a:schemeClr val="tx1"/>
+            </a:fontRef>
+          </p:style>
+        </p:cxnSp>
+        <p:cxnSp>
+          <p:nvCxnSpPr>
+            <p:cNvPr id="49" name="Straight Connector 48">
+              <a:extLst>
+                <a:ext uri="{FF2B5EF4-FFF2-40B4-BE49-F238E27FC236}">
+                  <a16:creationId xmlns:a16="http://schemas.microsoft.com/office/drawing/2014/main" id="{C08AFF63-C886-4238-AFFC-8D6F0557BED7}"/>
+                </a:ext>
+              </a:extLst>
+            </p:cNvPr>
+            <p:cNvCxnSpPr>
+              <a:cxnSpLocks/>
+            </p:cNvCxnSpPr>
+            <p:nvPr/>
+          </p:nvCxnSpPr>
+          <p:spPr>
+            <a:xfrm>
+              <a:off x="10515860" y="1739672"/>
+              <a:ext cx="0" cy="131736"/>
+            </a:xfrm>
+            <a:prstGeom prst="line">
+              <a:avLst/>
+            </a:prstGeom>
+          </p:spPr>
+          <p:style>
+            <a:lnRef idx="1">
+              <a:schemeClr val="accent2"/>
+            </a:lnRef>
+            <a:fillRef idx="0">
+              <a:schemeClr val="accent2"/>
+            </a:fillRef>
+            <a:effectRef idx="0">
+              <a:schemeClr val="accent2"/>
+            </a:effectRef>
+            <a:fontRef idx="minor">
+              <a:schemeClr val="tx1"/>
+            </a:fontRef>
+          </p:style>
+        </p:cxnSp>
+        <p:cxnSp>
+          <p:nvCxnSpPr>
+            <p:cNvPr id="50" name="Straight Arrow Connector 49">
+              <a:extLst>
+                <a:ext uri="{FF2B5EF4-FFF2-40B4-BE49-F238E27FC236}">
+                  <a16:creationId xmlns:a16="http://schemas.microsoft.com/office/drawing/2014/main" id="{318CA901-1D81-4AE5-B703-15699E835239}"/>
+                </a:ext>
+              </a:extLst>
+            </p:cNvPr>
+            <p:cNvCxnSpPr/>
+            <p:nvPr/>
+          </p:nvCxnSpPr>
+          <p:spPr>
+            <a:xfrm flipH="1">
+              <a:off x="10340014" y="1878736"/>
+              <a:ext cx="175846" cy="0"/>
+            </a:xfrm>
+            <a:prstGeom prst="straightConnector1">
+              <a:avLst/>
+            </a:prstGeom>
+            <a:ln>
+              <a:tailEnd type="triangle"/>
+            </a:ln>
+          </p:spPr>
+          <p:style>
+            <a:lnRef idx="1">
+              <a:schemeClr val="accent2"/>
+            </a:lnRef>
+            <a:fillRef idx="0">
+              <a:schemeClr val="accent2"/>
+            </a:fillRef>
+            <a:effectRef idx="0">
+              <a:schemeClr val="accent2"/>
+            </a:effectRef>
+            <a:fontRef idx="minor">
+              <a:schemeClr val="tx1"/>
+            </a:fontRef>
+          </p:style>
+        </p:cxnSp>
+      </p:grpSp>
+      <p:sp>
+        <p:nvSpPr>
+          <p:cNvPr id="51" name="TextBox 50">
+            <a:extLst>
+              <a:ext uri="{FF2B5EF4-FFF2-40B4-BE49-F238E27FC236}">
+                <a16:creationId xmlns:a16="http://schemas.microsoft.com/office/drawing/2014/main" id="{9DF91D9F-C767-407E-8B4C-34DC95C17B9F}"/>
+              </a:ext>
+            </a:extLst>
+          </p:cNvPr>
+          <p:cNvSpPr txBox="1"/>
+          <p:nvPr/>
+        </p:nvSpPr>
+        <p:spPr>
+          <a:xfrm>
+            <a:off x="10565217" y="1592087"/>
+            <a:ext cx="535002" cy="430887"/>
+          </a:xfrm>
+          <a:prstGeom prst="rect">
+            <a:avLst/>
+          </a:prstGeom>
+          <a:noFill/>
+        </p:spPr>
+        <p:txBody>
+          <a:bodyPr wrap="square" lIns="0" tIns="0" rIns="0" bIns="0" rtlCol="0">
+            <a:spAutoFit/>
+          </a:bodyPr>
+          <a:lstStyle/>
+          <a:p>
+            <a:r>
+              <a:rPr lang="en-US" sz="1400" dirty="0">
+                <a:solidFill>
+                  <a:srgbClr val="DA7B1C"/>
+                </a:solidFill>
+              </a:rPr>
+              <a:t>Save </a:t>
+            </a:r>
+          </a:p>
+          <a:p>
+            <a:r>
+              <a:rPr lang="en-US" sz="1400" dirty="0">
+                <a:solidFill>
+                  <a:srgbClr val="DA7B1C"/>
+                </a:solidFill>
+              </a:rPr>
+              <a:t>To File</a:t>
+            </a:r>
+          </a:p>
+        </p:txBody>
+      </p:sp>
     </p:spTree>
     <p:extLst>
       <p:ext uri="{BB962C8B-B14F-4D97-AF65-F5344CB8AC3E}">
